--- a/Classification of Embryo Defects Scan via Ultrasound.pptx
+++ b/Classification of Embryo Defects Scan via Ultrasound.pptx
@@ -8,6 +8,8 @@
     <p:sldId id="256" r:id="rId2"/>
     <p:sldId id="257" r:id="rId3"/>
     <p:sldId id="258" r:id="rId4"/>
+    <p:sldId id="259" r:id="rId5"/>
+    <p:sldId id="260" r:id="rId6"/>
   </p:sldIdLst>
   <p:sldSz cx="12192000" cy="6858000"/>
   <p:notesSz cx="6858000" cy="9144000"/>
@@ -106,6 +108,11 @@
       </a:defRPr>
     </a:lvl9pPr>
   </p:defaultTextStyle>
+  <p:extLst>
+    <p:ext uri="{EFAFB233-063F-42B5-8137-9DF3F51BA10A}">
+      <p15:sldGuideLst xmlns:p15="http://schemas.microsoft.com/office/powerpoint/2012/main"/>
+    </p:ext>
+  </p:extLst>
 </p:presentation>
 </file>
 
@@ -256,7 +263,7 @@
           <a:p>
             <a:fld id="{3E6E7AEF-EDA3-455B-993B-B18987BCBF6F}" type="datetimeFigureOut">
               <a:rPr lang="en-US" smtClean="0"/>
-              <a:t>12/31/2019</a:t>
+              <a:t>1/9/2020</a:t>
             </a:fld>
             <a:endParaRPr lang="en-US"/>
           </a:p>
@@ -454,7 +461,7 @@
           <a:p>
             <a:fld id="{3E6E7AEF-EDA3-455B-993B-B18987BCBF6F}" type="datetimeFigureOut">
               <a:rPr lang="en-US" smtClean="0"/>
-              <a:t>12/31/2019</a:t>
+              <a:t>1/9/2020</a:t>
             </a:fld>
             <a:endParaRPr lang="en-US"/>
           </a:p>
@@ -662,7 +669,7 @@
           <a:p>
             <a:fld id="{3E6E7AEF-EDA3-455B-993B-B18987BCBF6F}" type="datetimeFigureOut">
               <a:rPr lang="en-US" smtClean="0"/>
-              <a:t>12/31/2019</a:t>
+              <a:t>1/9/2020</a:t>
             </a:fld>
             <a:endParaRPr lang="en-US"/>
           </a:p>
@@ -860,7 +867,7 @@
           <a:p>
             <a:fld id="{3E6E7AEF-EDA3-455B-993B-B18987BCBF6F}" type="datetimeFigureOut">
               <a:rPr lang="en-US" smtClean="0"/>
-              <a:t>12/31/2019</a:t>
+              <a:t>1/9/2020</a:t>
             </a:fld>
             <a:endParaRPr lang="en-US"/>
           </a:p>
@@ -1135,7 +1142,7 @@
           <a:p>
             <a:fld id="{3E6E7AEF-EDA3-455B-993B-B18987BCBF6F}" type="datetimeFigureOut">
               <a:rPr lang="en-US" smtClean="0"/>
-              <a:t>12/31/2019</a:t>
+              <a:t>1/9/2020</a:t>
             </a:fld>
             <a:endParaRPr lang="en-US"/>
           </a:p>
@@ -1400,7 +1407,7 @@
           <a:p>
             <a:fld id="{3E6E7AEF-EDA3-455B-993B-B18987BCBF6F}" type="datetimeFigureOut">
               <a:rPr lang="en-US" smtClean="0"/>
-              <a:t>12/31/2019</a:t>
+              <a:t>1/9/2020</a:t>
             </a:fld>
             <a:endParaRPr lang="en-US"/>
           </a:p>
@@ -1812,7 +1819,7 @@
           <a:p>
             <a:fld id="{3E6E7AEF-EDA3-455B-993B-B18987BCBF6F}" type="datetimeFigureOut">
               <a:rPr lang="en-US" smtClean="0"/>
-              <a:t>12/31/2019</a:t>
+              <a:t>1/9/2020</a:t>
             </a:fld>
             <a:endParaRPr lang="en-US"/>
           </a:p>
@@ -1953,7 +1960,7 @@
           <a:p>
             <a:fld id="{3E6E7AEF-EDA3-455B-993B-B18987BCBF6F}" type="datetimeFigureOut">
               <a:rPr lang="en-US" smtClean="0"/>
-              <a:t>12/31/2019</a:t>
+              <a:t>1/9/2020</a:t>
             </a:fld>
             <a:endParaRPr lang="en-US"/>
           </a:p>
@@ -2066,7 +2073,7 @@
           <a:p>
             <a:fld id="{3E6E7AEF-EDA3-455B-993B-B18987BCBF6F}" type="datetimeFigureOut">
               <a:rPr lang="en-US" smtClean="0"/>
-              <a:t>12/31/2019</a:t>
+              <a:t>1/9/2020</a:t>
             </a:fld>
             <a:endParaRPr lang="en-US"/>
           </a:p>
@@ -2377,7 +2384,7 @@
           <a:p>
             <a:fld id="{3E6E7AEF-EDA3-455B-993B-B18987BCBF6F}" type="datetimeFigureOut">
               <a:rPr lang="en-US" smtClean="0"/>
-              <a:t>12/31/2019</a:t>
+              <a:t>1/9/2020</a:t>
             </a:fld>
             <a:endParaRPr lang="en-US"/>
           </a:p>
@@ -2665,7 +2672,7 @@
           <a:p>
             <a:fld id="{3E6E7AEF-EDA3-455B-993B-B18987BCBF6F}" type="datetimeFigureOut">
               <a:rPr lang="en-US" smtClean="0"/>
-              <a:t>12/31/2019</a:t>
+              <a:t>1/9/2020</a:t>
             </a:fld>
             <a:endParaRPr lang="en-US"/>
           </a:p>
@@ -2906,7 +2913,7 @@
           <a:p>
             <a:fld id="{3E6E7AEF-EDA3-455B-993B-B18987BCBF6F}" type="datetimeFigureOut">
               <a:rPr lang="en-US" smtClean="0"/>
-              <a:t>12/31/2019</a:t>
+              <a:t>1/9/2020</a:t>
             </a:fld>
             <a:endParaRPr lang="en-US"/>
           </a:p>
@@ -4477,6 +4484,1237 @@
 </p:sld>
 </file>
 
+<file path=ppt/slides/slide4.xml><?xml version="1.0" encoding="utf-8"?>
+<p:sld xmlns:a="http://schemas.openxmlformats.org/drawingml/2006/main" xmlns:r="http://schemas.openxmlformats.org/officeDocument/2006/relationships" xmlns:p="http://schemas.openxmlformats.org/presentationml/2006/main">
+  <p:cSld>
+    <p:spTree>
+      <p:nvGrpSpPr>
+        <p:cNvPr id="1" name=""/>
+        <p:cNvGrpSpPr/>
+        <p:nvPr/>
+      </p:nvGrpSpPr>
+      <p:grpSpPr>
+        <a:xfrm>
+          <a:off x="0" y="0"/>
+          <a:ext cx="0" cy="0"/>
+          <a:chOff x="0" y="0"/>
+          <a:chExt cx="0" cy="0"/>
+        </a:xfrm>
+      </p:grpSpPr>
+      <p:pic>
+        <p:nvPicPr>
+          <p:cNvPr id="5" name="Picture 10" descr="Related image">
+            <a:extLst>
+              <a:ext uri="{FF2B5EF4-FFF2-40B4-BE49-F238E27FC236}">
+                <a16:creationId xmlns:a16="http://schemas.microsoft.com/office/drawing/2014/main" id="{0FA0B2E8-CEDF-4431-BF58-9ADF77155F5A}"/>
+              </a:ext>
+            </a:extLst>
+          </p:cNvPr>
+          <p:cNvPicPr>
+            <a:picLocks noChangeAspect="1" noChangeArrowheads="1"/>
+          </p:cNvPicPr>
+          <p:nvPr/>
+        </p:nvPicPr>
+        <p:blipFill>
+          <a:blip r:embed="rId2">
+            <a:extLst>
+              <a:ext uri="{BEBA8EAE-BF5A-486C-A8C5-ECC9F3942E4B}">
+                <a14:imgProps xmlns:a14="http://schemas.microsoft.com/office/drawing/2010/main">
+                  <a14:imgLayer r:embed="rId3">
+                    <a14:imgEffect>
+                      <a14:brightnessContrast bright="-40000" contrast="20000"/>
+                    </a14:imgEffect>
+                  </a14:imgLayer>
+                </a14:imgProps>
+              </a:ext>
+              <a:ext uri="{28A0092B-C50C-407E-A947-70E740481C1C}">
+                <a14:useLocalDpi xmlns:a14="http://schemas.microsoft.com/office/drawing/2010/main" val="0"/>
+              </a:ext>
+            </a:extLst>
+          </a:blip>
+          <a:srcRect/>
+          <a:stretch>
+            <a:fillRect/>
+          </a:stretch>
+        </p:blipFill>
+        <p:spPr bwMode="auto">
+          <a:xfrm>
+            <a:off x="3" y="0"/>
+            <a:ext cx="12191997" cy="6857999"/>
+          </a:xfrm>
+          <a:prstGeom prst="rect">
+            <a:avLst/>
+          </a:prstGeom>
+          <a:gradFill flip="none" rotWithShape="1">
+            <a:gsLst>
+              <a:gs pos="0">
+                <a:schemeClr val="tx1">
+                  <a:tint val="66000"/>
+                  <a:satMod val="160000"/>
+                </a:schemeClr>
+              </a:gs>
+              <a:gs pos="50000">
+                <a:schemeClr val="tx1">
+                  <a:tint val="44500"/>
+                  <a:satMod val="160000"/>
+                </a:schemeClr>
+              </a:gs>
+              <a:gs pos="100000">
+                <a:schemeClr val="tx1">
+                  <a:tint val="23500"/>
+                  <a:satMod val="160000"/>
+                </a:schemeClr>
+              </a:gs>
+            </a:gsLst>
+            <a:lin ang="2700000" scaled="1"/>
+            <a:tileRect/>
+          </a:gradFill>
+          <a:effectLst>
+            <a:innerShdw blurRad="266700">
+              <a:prstClr val="black"/>
+            </a:innerShdw>
+          </a:effectLst>
+        </p:spPr>
+      </p:pic>
+      <p:sp>
+        <p:nvSpPr>
+          <p:cNvPr id="2" name="Title 1">
+            <a:extLst>
+              <a:ext uri="{FF2B5EF4-FFF2-40B4-BE49-F238E27FC236}">
+                <a16:creationId xmlns:a16="http://schemas.microsoft.com/office/drawing/2014/main" id="{47C9E71B-EFA7-4B6E-83FE-2ACF99B39E1C}"/>
+              </a:ext>
+            </a:extLst>
+          </p:cNvPr>
+          <p:cNvSpPr>
+            <a:spLocks noGrp="1"/>
+          </p:cNvSpPr>
+          <p:nvPr>
+            <p:ph type="title"/>
+          </p:nvPr>
+        </p:nvSpPr>
+        <p:spPr/>
+        <p:txBody>
+          <a:bodyPr/>
+          <a:lstStyle/>
+          <a:p>
+            <a:r>
+              <a:rPr lang="en-US" dirty="0">
+                <a:solidFill>
+                  <a:schemeClr val="bg1"/>
+                </a:solidFill>
+                <a:latin typeface="Biome" panose="020B0503030204020804" pitchFamily="34" charset="0"/>
+                <a:cs typeface="Biome" panose="020B0503030204020804" pitchFamily="34" charset="0"/>
+              </a:rPr>
+              <a:t>Deadlines</a:t>
+            </a:r>
+          </a:p>
+        </p:txBody>
+      </p:sp>
+      <p:graphicFrame>
+        <p:nvGraphicFramePr>
+          <p:cNvPr id="4" name="Table 4">
+            <a:extLst>
+              <a:ext uri="{FF2B5EF4-FFF2-40B4-BE49-F238E27FC236}">
+                <a16:creationId xmlns:a16="http://schemas.microsoft.com/office/drawing/2014/main" id="{8419123C-3EE5-4E18-A476-0694A519C8E5}"/>
+              </a:ext>
+            </a:extLst>
+          </p:cNvPr>
+          <p:cNvGraphicFramePr>
+            <a:graphicFrameLocks noGrp="1"/>
+          </p:cNvGraphicFramePr>
+          <p:nvPr>
+            <p:ph idx="1"/>
+            <p:extLst>
+              <p:ext uri="{D42A27DB-BD31-4B8C-83A1-F6EECF244321}">
+                <p14:modId xmlns:p14="http://schemas.microsoft.com/office/powerpoint/2010/main" val="2210106356"/>
+              </p:ext>
+            </p:extLst>
+          </p:nvPr>
+        </p:nvGraphicFramePr>
+        <p:xfrm>
+          <a:off x="838200" y="1825625"/>
+          <a:ext cx="10515597" cy="4226560"/>
+        </p:xfrm>
+        <a:graphic>
+          <a:graphicData uri="http://schemas.openxmlformats.org/drawingml/2006/table">
+            <a:tbl>
+              <a:tblPr firstRow="1" bandRow="1">
+                <a:tableStyleId>{5C22544A-7EE6-4342-B048-85BDC9FD1C3A}</a:tableStyleId>
+              </a:tblPr>
+              <a:tblGrid>
+                <a:gridCol w="3776003">
+                  <a:extLst>
+                    <a:ext uri="{9D8B030D-6E8A-4147-A177-3AD203B41FA5}">
+                      <a16:colId xmlns:a16="http://schemas.microsoft.com/office/drawing/2014/main" val="2550165295"/>
+                    </a:ext>
+                  </a:extLst>
+                </a:gridCol>
+                <a:gridCol w="3234395">
+                  <a:extLst>
+                    <a:ext uri="{9D8B030D-6E8A-4147-A177-3AD203B41FA5}">
+                      <a16:colId xmlns:a16="http://schemas.microsoft.com/office/drawing/2014/main" val="2236550381"/>
+                    </a:ext>
+                  </a:extLst>
+                </a:gridCol>
+                <a:gridCol w="3505199">
+                  <a:extLst>
+                    <a:ext uri="{9D8B030D-6E8A-4147-A177-3AD203B41FA5}">
+                      <a16:colId xmlns:a16="http://schemas.microsoft.com/office/drawing/2014/main" val="1811150603"/>
+                    </a:ext>
+                  </a:extLst>
+                </a:gridCol>
+              </a:tblGrid>
+              <a:tr h="370840">
+                <a:tc>
+                  <a:txBody>
+                    <a:bodyPr/>
+                    <a:lstStyle/>
+                    <a:p>
+                      <a:r>
+                        <a:rPr lang="en-US" dirty="0"/>
+                        <a:t>Process</a:t>
+                      </a:r>
+                    </a:p>
+                  </a:txBody>
+                  <a:tcPr/>
+                </a:tc>
+                <a:tc>
+                  <a:txBody>
+                    <a:bodyPr/>
+                    <a:lstStyle/>
+                    <a:p>
+                      <a:r>
+                        <a:rPr lang="en-US" dirty="0"/>
+                        <a:t>Possible outcome</a:t>
+                      </a:r>
+                    </a:p>
+                  </a:txBody>
+                  <a:tcPr/>
+                </a:tc>
+                <a:tc>
+                  <a:txBody>
+                    <a:bodyPr/>
+                    <a:lstStyle/>
+                    <a:p>
+                      <a:r>
+                        <a:rPr lang="en-US" dirty="0"/>
+                        <a:t>Deadline</a:t>
+                      </a:r>
+                    </a:p>
+                  </a:txBody>
+                  <a:tcPr/>
+                </a:tc>
+                <a:extLst>
+                  <a:ext uri="{0D108BD9-81ED-4DB2-BD59-A6C34878D82A}">
+                    <a16:rowId xmlns:a16="http://schemas.microsoft.com/office/drawing/2014/main" val="1314834478"/>
+                  </a:ext>
+                </a:extLst>
+              </a:tr>
+              <a:tr h="370840">
+                <a:tc>
+                  <a:txBody>
+                    <a:bodyPr/>
+                    <a:lstStyle/>
+                    <a:p>
+                      <a:r>
+                        <a:rPr lang="en-US" dirty="0"/>
+                        <a:t>Decide which birth defects to classify </a:t>
+                      </a:r>
+                    </a:p>
+                  </a:txBody>
+                  <a:tcPr/>
+                </a:tc>
+                <a:tc>
+                  <a:txBody>
+                    <a:bodyPr/>
+                    <a:lstStyle/>
+                    <a:p>
+                      <a:r>
+                        <a:rPr lang="en-US" dirty="0"/>
+                        <a:t>5 different defects to classify</a:t>
+                      </a:r>
+                    </a:p>
+                  </a:txBody>
+                  <a:tcPr/>
+                </a:tc>
+                <a:tc>
+                  <a:txBody>
+                    <a:bodyPr/>
+                    <a:lstStyle/>
+                    <a:p>
+                      <a:r>
+                        <a:rPr lang="en-US" dirty="0"/>
+                        <a:t>01/12/2020</a:t>
+                      </a:r>
+                    </a:p>
+                  </a:txBody>
+                  <a:tcPr/>
+                </a:tc>
+                <a:extLst>
+                  <a:ext uri="{0D108BD9-81ED-4DB2-BD59-A6C34878D82A}">
+                    <a16:rowId xmlns:a16="http://schemas.microsoft.com/office/drawing/2014/main" val="4186187509"/>
+                  </a:ext>
+                </a:extLst>
+              </a:tr>
+              <a:tr h="370840">
+                <a:tc>
+                  <a:txBody>
+                    <a:bodyPr/>
+                    <a:lstStyle/>
+                    <a:p>
+                      <a:pPr marL="0" marR="0" lvl="0" indent="0" algn="l" defTabSz="914400" rtl="0" eaLnBrk="1" fontAlgn="auto" latinLnBrk="0" hangingPunct="1">
+                        <a:lnSpc>
+                          <a:spcPct val="100000"/>
+                        </a:lnSpc>
+                        <a:spcBef>
+                          <a:spcPts val="0"/>
+                        </a:spcBef>
+                        <a:spcAft>
+                          <a:spcPts val="0"/>
+                        </a:spcAft>
+                        <a:buClrTx/>
+                        <a:buSzTx/>
+                        <a:buFontTx/>
+                        <a:buNone/>
+                        <a:tabLst/>
+                        <a:defRPr/>
+                      </a:pPr>
+                      <a:r>
+                        <a:rPr lang="en-US" dirty="0"/>
+                        <a:t>Collect image dataset</a:t>
+                      </a:r>
+                    </a:p>
+                  </a:txBody>
+                  <a:tcPr/>
+                </a:tc>
+                <a:tc>
+                  <a:txBody>
+                    <a:bodyPr/>
+                    <a:lstStyle/>
+                    <a:p>
+                      <a:r>
+                        <a:rPr lang="en-US" dirty="0"/>
+                        <a:t>Image dataset and sources</a:t>
+                      </a:r>
+                    </a:p>
+                  </a:txBody>
+                  <a:tcPr/>
+                </a:tc>
+                <a:tc>
+                  <a:txBody>
+                    <a:bodyPr/>
+                    <a:lstStyle/>
+                    <a:p>
+                      <a:pPr marL="0" marR="0" lvl="0" indent="0" algn="l" defTabSz="914400" rtl="0" eaLnBrk="1" fontAlgn="auto" latinLnBrk="0" hangingPunct="1">
+                        <a:lnSpc>
+                          <a:spcPct val="100000"/>
+                        </a:lnSpc>
+                        <a:spcBef>
+                          <a:spcPts val="0"/>
+                        </a:spcBef>
+                        <a:spcAft>
+                          <a:spcPts val="0"/>
+                        </a:spcAft>
+                        <a:buClrTx/>
+                        <a:buSzTx/>
+                        <a:buFontTx/>
+                        <a:buNone/>
+                        <a:tabLst/>
+                        <a:defRPr/>
+                      </a:pPr>
+                      <a:r>
+                        <a:rPr lang="en-US" dirty="0"/>
+                        <a:t>01/20/2020</a:t>
+                      </a:r>
+                    </a:p>
+                  </a:txBody>
+                  <a:tcPr/>
+                </a:tc>
+                <a:extLst>
+                  <a:ext uri="{0D108BD9-81ED-4DB2-BD59-A6C34878D82A}">
+                    <a16:rowId xmlns:a16="http://schemas.microsoft.com/office/drawing/2014/main" val="1280750670"/>
+                  </a:ext>
+                </a:extLst>
+              </a:tr>
+              <a:tr h="370840">
+                <a:tc>
+                  <a:txBody>
+                    <a:bodyPr/>
+                    <a:lstStyle/>
+                    <a:p>
+                      <a:r>
+                        <a:rPr lang="en-US" dirty="0"/>
+                        <a:t>Data Preparation </a:t>
+                      </a:r>
+                    </a:p>
+                  </a:txBody>
+                  <a:tcPr/>
+                </a:tc>
+                <a:tc>
+                  <a:txBody>
+                    <a:bodyPr/>
+                    <a:lstStyle/>
+                    <a:p>
+                      <a:r>
+                        <a:rPr lang="en-US" dirty="0"/>
+                        <a:t>Vector data</a:t>
+                      </a:r>
+                    </a:p>
+                  </a:txBody>
+                  <a:tcPr/>
+                </a:tc>
+                <a:tc>
+                  <a:txBody>
+                    <a:bodyPr/>
+                    <a:lstStyle/>
+                    <a:p>
+                      <a:r>
+                        <a:rPr lang="en-US" dirty="0"/>
+                        <a:t>01/23/2020</a:t>
+                      </a:r>
+                    </a:p>
+                  </a:txBody>
+                  <a:tcPr/>
+                </a:tc>
+                <a:extLst>
+                  <a:ext uri="{0D108BD9-81ED-4DB2-BD59-A6C34878D82A}">
+                    <a16:rowId xmlns:a16="http://schemas.microsoft.com/office/drawing/2014/main" val="1253296585"/>
+                  </a:ext>
+                </a:extLst>
+              </a:tr>
+              <a:tr h="0">
+                <a:tc>
+                  <a:txBody>
+                    <a:bodyPr/>
+                    <a:lstStyle/>
+                    <a:p>
+                      <a:r>
+                        <a:rPr lang="en-US" dirty="0"/>
+                        <a:t>Create Base Models</a:t>
+                      </a:r>
+                    </a:p>
+                  </a:txBody>
+                  <a:tcPr/>
+                </a:tc>
+                <a:tc>
+                  <a:txBody>
+                    <a:bodyPr/>
+                    <a:lstStyle/>
+                    <a:p>
+                      <a:r>
+                        <a:rPr lang="en-US" dirty="0"/>
+                        <a:t>Simple CNN Model</a:t>
+                      </a:r>
+                    </a:p>
+                  </a:txBody>
+                  <a:tcPr/>
+                </a:tc>
+                <a:tc>
+                  <a:txBody>
+                    <a:bodyPr/>
+                    <a:lstStyle/>
+                    <a:p>
+                      <a:r>
+                        <a:rPr lang="en-US" dirty="0"/>
+                        <a:t>01/30/2020</a:t>
+                      </a:r>
+                    </a:p>
+                  </a:txBody>
+                  <a:tcPr/>
+                </a:tc>
+                <a:extLst>
+                  <a:ext uri="{0D108BD9-81ED-4DB2-BD59-A6C34878D82A}">
+                    <a16:rowId xmlns:a16="http://schemas.microsoft.com/office/drawing/2014/main" val="1753174711"/>
+                  </a:ext>
+                </a:extLst>
+              </a:tr>
+              <a:tr h="303953">
+                <a:tc>
+                  <a:txBody>
+                    <a:bodyPr/>
+                    <a:lstStyle/>
+                    <a:p>
+                      <a:r>
+                        <a:rPr lang="en-US" dirty="0"/>
+                        <a:t>Train the Base Models</a:t>
+                      </a:r>
+                    </a:p>
+                  </a:txBody>
+                  <a:tcPr/>
+                </a:tc>
+                <a:tc>
+                  <a:txBody>
+                    <a:bodyPr/>
+                    <a:lstStyle/>
+                    <a:p>
+                      <a:r>
+                        <a:rPr lang="en-US" dirty="0"/>
+                        <a:t>Estimate for how to build future model</a:t>
+                      </a:r>
+                    </a:p>
+                  </a:txBody>
+                  <a:tcPr/>
+                </a:tc>
+                <a:tc>
+                  <a:txBody>
+                    <a:bodyPr/>
+                    <a:lstStyle/>
+                    <a:p>
+                      <a:pPr marL="0" marR="0" lvl="0" indent="0" algn="l" defTabSz="914400" rtl="0" eaLnBrk="1" fontAlgn="auto" latinLnBrk="0" hangingPunct="1">
+                        <a:lnSpc>
+                          <a:spcPct val="100000"/>
+                        </a:lnSpc>
+                        <a:spcBef>
+                          <a:spcPts val="0"/>
+                        </a:spcBef>
+                        <a:spcAft>
+                          <a:spcPts val="0"/>
+                        </a:spcAft>
+                        <a:buClrTx/>
+                        <a:buSzTx/>
+                        <a:buFontTx/>
+                        <a:buNone/>
+                        <a:tabLst/>
+                        <a:defRPr/>
+                      </a:pPr>
+                      <a:r>
+                        <a:rPr lang="en-US" dirty="0"/>
+                        <a:t>01/31/2020</a:t>
+                      </a:r>
+                    </a:p>
+                  </a:txBody>
+                  <a:tcPr/>
+                </a:tc>
+                <a:extLst>
+                  <a:ext uri="{0D108BD9-81ED-4DB2-BD59-A6C34878D82A}">
+                    <a16:rowId xmlns:a16="http://schemas.microsoft.com/office/drawing/2014/main" val="3754782037"/>
+                  </a:ext>
+                </a:extLst>
+              </a:tr>
+              <a:tr h="242147">
+                <a:tc>
+                  <a:txBody>
+                    <a:bodyPr/>
+                    <a:lstStyle/>
+                    <a:p>
+                      <a:r>
+                        <a:rPr lang="en-US" dirty="0"/>
+                        <a:t>Create Hyper Model</a:t>
+                      </a:r>
+                    </a:p>
+                  </a:txBody>
+                  <a:tcPr/>
+                </a:tc>
+                <a:tc>
+                  <a:txBody>
+                    <a:bodyPr/>
+                    <a:lstStyle/>
+                    <a:p>
+                      <a:r>
+                        <a:rPr lang="en-US" dirty="0"/>
+                        <a:t>Model with better hypermeters</a:t>
+                      </a:r>
+                    </a:p>
+                  </a:txBody>
+                  <a:tcPr/>
+                </a:tc>
+                <a:tc>
+                  <a:txBody>
+                    <a:bodyPr/>
+                    <a:lstStyle/>
+                    <a:p>
+                      <a:r>
+                        <a:rPr lang="en-US" dirty="0"/>
+                        <a:t>02/07/2020</a:t>
+                      </a:r>
+                    </a:p>
+                  </a:txBody>
+                  <a:tcPr/>
+                </a:tc>
+                <a:extLst>
+                  <a:ext uri="{0D108BD9-81ED-4DB2-BD59-A6C34878D82A}">
+                    <a16:rowId xmlns:a16="http://schemas.microsoft.com/office/drawing/2014/main" val="3897566052"/>
+                  </a:ext>
+                </a:extLst>
+              </a:tr>
+              <a:tr h="180340">
+                <a:tc>
+                  <a:txBody>
+                    <a:bodyPr/>
+                    <a:lstStyle/>
+                    <a:p>
+                      <a:r>
+                        <a:rPr lang="en-US" dirty="0"/>
+                        <a:t>Hyperparameter Tuning</a:t>
+                      </a:r>
+                    </a:p>
+                  </a:txBody>
+                  <a:tcPr/>
+                </a:tc>
+                <a:tc>
+                  <a:txBody>
+                    <a:bodyPr/>
+                    <a:lstStyle/>
+                    <a:p>
+                      <a:r>
+                        <a:rPr lang="en-US" dirty="0"/>
+                        <a:t>Best settings for hyperparameters</a:t>
+                      </a:r>
+                    </a:p>
+                  </a:txBody>
+                  <a:tcPr/>
+                </a:tc>
+                <a:tc>
+                  <a:txBody>
+                    <a:bodyPr/>
+                    <a:lstStyle/>
+                    <a:p>
+                      <a:r>
+                        <a:rPr lang="en-US" dirty="0"/>
+                        <a:t>03/01/2020</a:t>
+                      </a:r>
+                    </a:p>
+                  </a:txBody>
+                  <a:tcPr/>
+                </a:tc>
+                <a:extLst>
+                  <a:ext uri="{0D108BD9-81ED-4DB2-BD59-A6C34878D82A}">
+                    <a16:rowId xmlns:a16="http://schemas.microsoft.com/office/drawing/2014/main" val="110305075"/>
+                  </a:ext>
+                </a:extLst>
+              </a:tr>
+              <a:tr h="118533">
+                <a:tc>
+                  <a:txBody>
+                    <a:bodyPr/>
+                    <a:lstStyle/>
+                    <a:p>
+                      <a:r>
+                        <a:rPr lang="en-US" dirty="0"/>
+                        <a:t>Train Hyper model </a:t>
+                      </a:r>
+                    </a:p>
+                  </a:txBody>
+                  <a:tcPr/>
+                </a:tc>
+                <a:tc>
+                  <a:txBody>
+                    <a:bodyPr/>
+                    <a:lstStyle/>
+                    <a:p>
+                      <a:r>
+                        <a:rPr lang="en-US" dirty="0"/>
+                        <a:t>Model trained with best settings</a:t>
+                      </a:r>
+                    </a:p>
+                  </a:txBody>
+                  <a:tcPr/>
+                </a:tc>
+                <a:tc>
+                  <a:txBody>
+                    <a:bodyPr/>
+                    <a:lstStyle/>
+                    <a:p>
+                      <a:pPr marL="0" marR="0" lvl="0" indent="0" algn="l" defTabSz="914400" rtl="0" eaLnBrk="1" fontAlgn="auto" latinLnBrk="0" hangingPunct="1">
+                        <a:lnSpc>
+                          <a:spcPct val="100000"/>
+                        </a:lnSpc>
+                        <a:spcBef>
+                          <a:spcPts val="0"/>
+                        </a:spcBef>
+                        <a:spcAft>
+                          <a:spcPts val="0"/>
+                        </a:spcAft>
+                        <a:buClrTx/>
+                        <a:buSzTx/>
+                        <a:buFontTx/>
+                        <a:buNone/>
+                        <a:tabLst/>
+                        <a:defRPr/>
+                      </a:pPr>
+                      <a:r>
+                        <a:rPr lang="en-US" dirty="0"/>
+                        <a:t>03/01/2020</a:t>
+                      </a:r>
+                    </a:p>
+                  </a:txBody>
+                  <a:tcPr/>
+                </a:tc>
+                <a:extLst>
+                  <a:ext uri="{0D108BD9-81ED-4DB2-BD59-A6C34878D82A}">
+                    <a16:rowId xmlns:a16="http://schemas.microsoft.com/office/drawing/2014/main" val="3835067026"/>
+                  </a:ext>
+                </a:extLst>
+              </a:tr>
+              <a:tr h="0">
+                <a:tc>
+                  <a:txBody>
+                    <a:bodyPr/>
+                    <a:lstStyle/>
+                    <a:p>
+                      <a:r>
+                        <a:rPr lang="en-US" dirty="0"/>
+                        <a:t>Evaluate the hyper model</a:t>
+                      </a:r>
+                    </a:p>
+                  </a:txBody>
+                  <a:tcPr/>
+                </a:tc>
+                <a:tc>
+                  <a:txBody>
+                    <a:bodyPr/>
+                    <a:lstStyle/>
+                    <a:p>
+                      <a:r>
+                        <a:rPr lang="en-US" dirty="0"/>
+                        <a:t>Finalize model</a:t>
+                      </a:r>
+                    </a:p>
+                  </a:txBody>
+                  <a:tcPr/>
+                </a:tc>
+                <a:tc>
+                  <a:txBody>
+                    <a:bodyPr/>
+                    <a:lstStyle/>
+                    <a:p>
+                      <a:pPr marL="0" marR="0" lvl="0" indent="0" algn="l" defTabSz="914400" rtl="0" eaLnBrk="1" fontAlgn="auto" latinLnBrk="0" hangingPunct="1">
+                        <a:lnSpc>
+                          <a:spcPct val="100000"/>
+                        </a:lnSpc>
+                        <a:spcBef>
+                          <a:spcPts val="0"/>
+                        </a:spcBef>
+                        <a:spcAft>
+                          <a:spcPts val="0"/>
+                        </a:spcAft>
+                        <a:buClrTx/>
+                        <a:buSzTx/>
+                        <a:buFontTx/>
+                        <a:buNone/>
+                        <a:tabLst/>
+                        <a:defRPr/>
+                      </a:pPr>
+                      <a:r>
+                        <a:rPr lang="en-US" dirty="0"/>
+                        <a:t>03/10/2020</a:t>
+                      </a:r>
+                    </a:p>
+                  </a:txBody>
+                  <a:tcPr/>
+                </a:tc>
+                <a:extLst>
+                  <a:ext uri="{0D108BD9-81ED-4DB2-BD59-A6C34878D82A}">
+                    <a16:rowId xmlns:a16="http://schemas.microsoft.com/office/drawing/2014/main" val="3862610347"/>
+                  </a:ext>
+                </a:extLst>
+              </a:tr>
+            </a:tbl>
+          </a:graphicData>
+        </a:graphic>
+      </p:graphicFrame>
+    </p:spTree>
+    <p:extLst>
+      <p:ext uri="{BB962C8B-B14F-4D97-AF65-F5344CB8AC3E}">
+        <p14:creationId xmlns:p14="http://schemas.microsoft.com/office/powerpoint/2010/main" val="1467637392"/>
+      </p:ext>
+    </p:extLst>
+  </p:cSld>
+  <p:clrMapOvr>
+    <a:masterClrMapping/>
+  </p:clrMapOvr>
+</p:sld>
+</file>
+
+<file path=ppt/slides/slide5.xml><?xml version="1.0" encoding="utf-8"?>
+<p:sld xmlns:a="http://schemas.openxmlformats.org/drawingml/2006/main" xmlns:r="http://schemas.openxmlformats.org/officeDocument/2006/relationships" xmlns:p="http://schemas.openxmlformats.org/presentationml/2006/main">
+  <p:cSld>
+    <p:spTree>
+      <p:nvGrpSpPr>
+        <p:cNvPr id="1" name=""/>
+        <p:cNvGrpSpPr/>
+        <p:nvPr/>
+      </p:nvGrpSpPr>
+      <p:grpSpPr>
+        <a:xfrm>
+          <a:off x="0" y="0"/>
+          <a:ext cx="0" cy="0"/>
+          <a:chOff x="0" y="0"/>
+          <a:chExt cx="0" cy="0"/>
+        </a:xfrm>
+      </p:grpSpPr>
+      <p:pic>
+        <p:nvPicPr>
+          <p:cNvPr id="4" name="Picture 10" descr="Related image">
+            <a:extLst>
+              <a:ext uri="{FF2B5EF4-FFF2-40B4-BE49-F238E27FC236}">
+                <a16:creationId xmlns:a16="http://schemas.microsoft.com/office/drawing/2014/main" id="{F9C540F2-6AC6-4B4E-AFA1-45BC7AFE3671}"/>
+              </a:ext>
+            </a:extLst>
+          </p:cNvPr>
+          <p:cNvPicPr>
+            <a:picLocks noChangeAspect="1" noChangeArrowheads="1"/>
+          </p:cNvPicPr>
+          <p:nvPr/>
+        </p:nvPicPr>
+        <p:blipFill>
+          <a:blip r:embed="rId2">
+            <a:extLst>
+              <a:ext uri="{BEBA8EAE-BF5A-486C-A8C5-ECC9F3942E4B}">
+                <a14:imgProps xmlns:a14="http://schemas.microsoft.com/office/drawing/2010/main">
+                  <a14:imgLayer r:embed="rId3">
+                    <a14:imgEffect>
+                      <a14:brightnessContrast bright="-40000" contrast="20000"/>
+                    </a14:imgEffect>
+                  </a14:imgLayer>
+                </a14:imgProps>
+              </a:ext>
+              <a:ext uri="{28A0092B-C50C-407E-A947-70E740481C1C}">
+                <a14:useLocalDpi xmlns:a14="http://schemas.microsoft.com/office/drawing/2010/main" val="0"/>
+              </a:ext>
+            </a:extLst>
+          </a:blip>
+          <a:srcRect/>
+          <a:stretch>
+            <a:fillRect/>
+          </a:stretch>
+        </p:blipFill>
+        <p:spPr bwMode="auto">
+          <a:xfrm>
+            <a:off x="3" y="0"/>
+            <a:ext cx="12191997" cy="6857999"/>
+          </a:xfrm>
+          <a:prstGeom prst="rect">
+            <a:avLst/>
+          </a:prstGeom>
+          <a:gradFill flip="none" rotWithShape="1">
+            <a:gsLst>
+              <a:gs pos="0">
+                <a:schemeClr val="tx1">
+                  <a:tint val="66000"/>
+                  <a:satMod val="160000"/>
+                </a:schemeClr>
+              </a:gs>
+              <a:gs pos="50000">
+                <a:schemeClr val="tx1">
+                  <a:tint val="44500"/>
+                  <a:satMod val="160000"/>
+                </a:schemeClr>
+              </a:gs>
+              <a:gs pos="100000">
+                <a:schemeClr val="tx1">
+                  <a:tint val="23500"/>
+                  <a:satMod val="160000"/>
+                </a:schemeClr>
+              </a:gs>
+            </a:gsLst>
+            <a:lin ang="2700000" scaled="1"/>
+            <a:tileRect/>
+          </a:gradFill>
+          <a:effectLst>
+            <a:innerShdw blurRad="266700">
+              <a:prstClr val="black"/>
+            </a:innerShdw>
+          </a:effectLst>
+        </p:spPr>
+      </p:pic>
+      <p:sp>
+        <p:nvSpPr>
+          <p:cNvPr id="5" name="Title 1">
+            <a:extLst>
+              <a:ext uri="{FF2B5EF4-FFF2-40B4-BE49-F238E27FC236}">
+                <a16:creationId xmlns:a16="http://schemas.microsoft.com/office/drawing/2014/main" id="{4E7F98FB-ECCF-4C02-803B-968083811379}"/>
+              </a:ext>
+            </a:extLst>
+          </p:cNvPr>
+          <p:cNvSpPr>
+            <a:spLocks noGrp="1"/>
+          </p:cNvSpPr>
+          <p:nvPr>
+            <p:ph type="title"/>
+          </p:nvPr>
+        </p:nvSpPr>
+        <p:spPr>
+          <a:xfrm>
+            <a:off x="838200" y="365125"/>
+            <a:ext cx="10515600" cy="1325563"/>
+          </a:xfrm>
+        </p:spPr>
+        <p:txBody>
+          <a:bodyPr/>
+          <a:lstStyle/>
+          <a:p>
+            <a:r>
+              <a:rPr lang="en-US" dirty="0">
+                <a:solidFill>
+                  <a:schemeClr val="bg1"/>
+                </a:solidFill>
+                <a:latin typeface="Biome" panose="020B0503030204020804" pitchFamily="34" charset="0"/>
+                <a:cs typeface="Biome" panose="020B0503030204020804" pitchFamily="34" charset="0"/>
+              </a:rPr>
+              <a:t>Meetings</a:t>
+            </a:r>
+          </a:p>
+        </p:txBody>
+      </p:sp>
+      <p:graphicFrame>
+        <p:nvGraphicFramePr>
+          <p:cNvPr id="6" name="Table 4">
+            <a:extLst>
+              <a:ext uri="{FF2B5EF4-FFF2-40B4-BE49-F238E27FC236}">
+                <a16:creationId xmlns:a16="http://schemas.microsoft.com/office/drawing/2014/main" id="{1C835DBC-91EA-46BC-9D6A-CDE9937D7A3F}"/>
+              </a:ext>
+            </a:extLst>
+          </p:cNvPr>
+          <p:cNvGraphicFramePr>
+            <a:graphicFrameLocks noGrp="1"/>
+          </p:cNvGraphicFramePr>
+          <p:nvPr>
+            <p:ph idx="1"/>
+            <p:extLst>
+              <p:ext uri="{D42A27DB-BD31-4B8C-83A1-F6EECF244321}">
+                <p14:modId xmlns:p14="http://schemas.microsoft.com/office/powerpoint/2010/main" val="19863746"/>
+              </p:ext>
+            </p:extLst>
+          </p:nvPr>
+        </p:nvGraphicFramePr>
+        <p:xfrm>
+          <a:off x="838200" y="1825625"/>
+          <a:ext cx="10515597" cy="2387600"/>
+        </p:xfrm>
+        <a:graphic>
+          <a:graphicData uri="http://schemas.openxmlformats.org/drawingml/2006/table">
+            <a:tbl>
+              <a:tblPr firstRow="1" bandRow="1">
+                <a:tableStyleId>{5C22544A-7EE6-4342-B048-85BDC9FD1C3A}</a:tableStyleId>
+              </a:tblPr>
+              <a:tblGrid>
+                <a:gridCol w="4802945">
+                  <a:extLst>
+                    <a:ext uri="{9D8B030D-6E8A-4147-A177-3AD203B41FA5}">
+                      <a16:colId xmlns:a16="http://schemas.microsoft.com/office/drawing/2014/main" val="2550165295"/>
+                    </a:ext>
+                  </a:extLst>
+                </a:gridCol>
+                <a:gridCol w="2096086">
+                  <a:extLst>
+                    <a:ext uri="{9D8B030D-6E8A-4147-A177-3AD203B41FA5}">
+                      <a16:colId xmlns:a16="http://schemas.microsoft.com/office/drawing/2014/main" val="2236550381"/>
+                    </a:ext>
+                  </a:extLst>
+                </a:gridCol>
+                <a:gridCol w="3616566">
+                  <a:extLst>
+                    <a:ext uri="{9D8B030D-6E8A-4147-A177-3AD203B41FA5}">
+                      <a16:colId xmlns:a16="http://schemas.microsoft.com/office/drawing/2014/main" val="1811150603"/>
+                    </a:ext>
+                  </a:extLst>
+                </a:gridCol>
+              </a:tblGrid>
+              <a:tr h="0">
+                <a:tc>
+                  <a:txBody>
+                    <a:bodyPr/>
+                    <a:lstStyle/>
+                    <a:p>
+                      <a:pPr algn="ctr"/>
+                      <a:r>
+                        <a:rPr lang="en-US" dirty="0"/>
+                        <a:t>Location</a:t>
+                      </a:r>
+                    </a:p>
+                  </a:txBody>
+                  <a:tcPr/>
+                </a:tc>
+                <a:tc>
+                  <a:txBody>
+                    <a:bodyPr/>
+                    <a:lstStyle/>
+                    <a:p>
+                      <a:pPr algn="ctr"/>
+                      <a:r>
+                        <a:rPr lang="en-US" dirty="0"/>
+                        <a:t>Date &amp; Time</a:t>
+                      </a:r>
+                    </a:p>
+                  </a:txBody>
+                  <a:tcPr/>
+                </a:tc>
+                <a:tc>
+                  <a:txBody>
+                    <a:bodyPr/>
+                    <a:lstStyle/>
+                    <a:p>
+                      <a:pPr marL="0" marR="0" lvl="0" indent="0" algn="ctr" defTabSz="914400" rtl="0" eaLnBrk="1" fontAlgn="auto" latinLnBrk="0" hangingPunct="1">
+                        <a:lnSpc>
+                          <a:spcPct val="100000"/>
+                        </a:lnSpc>
+                        <a:spcBef>
+                          <a:spcPts val="0"/>
+                        </a:spcBef>
+                        <a:spcAft>
+                          <a:spcPts val="0"/>
+                        </a:spcAft>
+                        <a:buClrTx/>
+                        <a:buSzTx/>
+                        <a:buFontTx/>
+                        <a:buNone/>
+                        <a:tabLst/>
+                        <a:defRPr/>
+                      </a:pPr>
+                      <a:r>
+                        <a:rPr lang="en-US" dirty="0"/>
+                        <a:t>Possible outcome</a:t>
+                      </a:r>
+                    </a:p>
+                  </a:txBody>
+                  <a:tcPr/>
+                </a:tc>
+                <a:extLst>
+                  <a:ext uri="{0D108BD9-81ED-4DB2-BD59-A6C34878D82A}">
+                    <a16:rowId xmlns:a16="http://schemas.microsoft.com/office/drawing/2014/main" val="1314834478"/>
+                  </a:ext>
+                </a:extLst>
+              </a:tr>
+              <a:tr h="370840">
+                <a:tc>
+                  <a:txBody>
+                    <a:bodyPr/>
+                    <a:lstStyle/>
+                    <a:p>
+                      <a:r>
+                        <a:rPr lang="en-US" dirty="0" err="1"/>
+                        <a:t>WeWork</a:t>
+                      </a:r>
+                      <a:r>
+                        <a:rPr lang="en-US" dirty="0"/>
+                        <a:t> </a:t>
+                      </a:r>
+                      <a:r>
+                        <a:rPr lang="en-US" sz="1800" b="0" i="0" kern="1200" dirty="0">
+                          <a:solidFill>
+                            <a:schemeClr val="dk1"/>
+                          </a:solidFill>
+                          <a:effectLst/>
+                          <a:latin typeface="+mn-lt"/>
+                          <a:ea typeface="+mn-ea"/>
+                          <a:cs typeface="+mn-cs"/>
+                        </a:rPr>
+                        <a:t>1440 G St NW, Washington, DC 20005</a:t>
+                      </a:r>
+                      <a:endParaRPr lang="en-US" dirty="0"/>
+                    </a:p>
+                  </a:txBody>
+                  <a:tcPr/>
+                </a:tc>
+                <a:tc>
+                  <a:txBody>
+                    <a:bodyPr/>
+                    <a:lstStyle/>
+                    <a:p>
+                      <a:pPr marL="0" marR="0" lvl="0" indent="0" algn="ctr" defTabSz="914400" rtl="0" eaLnBrk="1" fontAlgn="auto" latinLnBrk="0" hangingPunct="1">
+                        <a:lnSpc>
+                          <a:spcPct val="100000"/>
+                        </a:lnSpc>
+                        <a:spcBef>
+                          <a:spcPts val="0"/>
+                        </a:spcBef>
+                        <a:spcAft>
+                          <a:spcPts val="0"/>
+                        </a:spcAft>
+                        <a:buClrTx/>
+                        <a:buSzTx/>
+                        <a:buFontTx/>
+                        <a:buNone/>
+                        <a:tabLst/>
+                        <a:defRPr/>
+                      </a:pPr>
+                      <a:r>
+                        <a:rPr lang="en-US" dirty="0"/>
+                        <a:t>Sun Jan 12</a:t>
+                      </a:r>
+                      <a:r>
+                        <a:rPr lang="en-US" baseline="30000" dirty="0"/>
+                        <a:t>th</a:t>
+                      </a:r>
+                      <a:r>
+                        <a:rPr lang="en-US" dirty="0"/>
+                        <a:t> 10am</a:t>
+                      </a:r>
+                    </a:p>
+                  </a:txBody>
+                  <a:tcPr/>
+                </a:tc>
+                <a:tc>
+                  <a:txBody>
+                    <a:bodyPr/>
+                    <a:lstStyle/>
+                    <a:p>
+                      <a:r>
+                        <a:rPr lang="en-US" dirty="0"/>
+                        <a:t>-Final decision on first five defects</a:t>
+                      </a:r>
+                    </a:p>
+                    <a:p>
+                      <a:r>
+                        <a:rPr lang="en-US" dirty="0"/>
+                        <a:t>-Dataset resource found</a:t>
+                      </a:r>
+                    </a:p>
+                  </a:txBody>
+                  <a:tcPr/>
+                </a:tc>
+                <a:extLst>
+                  <a:ext uri="{0D108BD9-81ED-4DB2-BD59-A6C34878D82A}">
+                    <a16:rowId xmlns:a16="http://schemas.microsoft.com/office/drawing/2014/main" val="4186187509"/>
+                  </a:ext>
+                </a:extLst>
+              </a:tr>
+              <a:tr h="370840">
+                <a:tc>
+                  <a:txBody>
+                    <a:bodyPr/>
+                    <a:lstStyle/>
+                    <a:p>
+                      <a:r>
+                        <a:rPr lang="en-US" dirty="0"/>
+                        <a:t>Zoom</a:t>
+                      </a:r>
+                    </a:p>
+                  </a:txBody>
+                  <a:tcPr/>
+                </a:tc>
+                <a:tc>
+                  <a:txBody>
+                    <a:bodyPr/>
+                    <a:lstStyle/>
+                    <a:p>
+                      <a:r>
+                        <a:rPr lang="en-US" dirty="0"/>
+                        <a:t>Thru Jan 16</a:t>
+                      </a:r>
+                      <a:r>
+                        <a:rPr lang="en-US" baseline="30000" dirty="0"/>
+                        <a:t>th</a:t>
+                      </a:r>
+                      <a:r>
+                        <a:rPr lang="en-US" dirty="0"/>
+                        <a:t> 12:30pm </a:t>
+                      </a:r>
+                    </a:p>
+                  </a:txBody>
+                  <a:tcPr/>
+                </a:tc>
+                <a:tc>
+                  <a:txBody>
+                    <a:bodyPr/>
+                    <a:lstStyle/>
+                    <a:p>
+                      <a:r>
+                        <a:rPr lang="en-US" dirty="0"/>
+                        <a:t>Resource sharing to build dataset</a:t>
+                      </a:r>
+                    </a:p>
+                  </a:txBody>
+                  <a:tcPr/>
+                </a:tc>
+                <a:extLst>
+                  <a:ext uri="{0D108BD9-81ED-4DB2-BD59-A6C34878D82A}">
+                    <a16:rowId xmlns:a16="http://schemas.microsoft.com/office/drawing/2014/main" val="1280750670"/>
+                  </a:ext>
+                </a:extLst>
+              </a:tr>
+              <a:tr h="370840">
+                <a:tc>
+                  <a:txBody>
+                    <a:bodyPr/>
+                    <a:lstStyle/>
+                    <a:p>
+                      <a:endParaRPr lang="en-US"/>
+                    </a:p>
+                  </a:txBody>
+                  <a:tcPr/>
+                </a:tc>
+                <a:tc>
+                  <a:txBody>
+                    <a:bodyPr/>
+                    <a:lstStyle/>
+                    <a:p>
+                      <a:endParaRPr lang="en-US" dirty="0"/>
+                    </a:p>
+                  </a:txBody>
+                  <a:tcPr/>
+                </a:tc>
+                <a:tc>
+                  <a:txBody>
+                    <a:bodyPr/>
+                    <a:lstStyle/>
+                    <a:p>
+                      <a:endParaRPr lang="en-US" dirty="0"/>
+                    </a:p>
+                  </a:txBody>
+                  <a:tcPr/>
+                </a:tc>
+                <a:extLst>
+                  <a:ext uri="{0D108BD9-81ED-4DB2-BD59-A6C34878D82A}">
+                    <a16:rowId xmlns:a16="http://schemas.microsoft.com/office/drawing/2014/main" val="1253296585"/>
+                  </a:ext>
+                </a:extLst>
+              </a:tr>
+              <a:tr h="370840">
+                <a:tc>
+                  <a:txBody>
+                    <a:bodyPr/>
+                    <a:lstStyle/>
+                    <a:p>
+                      <a:endParaRPr lang="en-US"/>
+                    </a:p>
+                  </a:txBody>
+                  <a:tcPr/>
+                </a:tc>
+                <a:tc>
+                  <a:txBody>
+                    <a:bodyPr/>
+                    <a:lstStyle/>
+                    <a:p>
+                      <a:endParaRPr lang="en-US"/>
+                    </a:p>
+                  </a:txBody>
+                  <a:tcPr/>
+                </a:tc>
+                <a:tc>
+                  <a:txBody>
+                    <a:bodyPr/>
+                    <a:lstStyle/>
+                    <a:p>
+                      <a:endParaRPr lang="en-US" dirty="0"/>
+                    </a:p>
+                  </a:txBody>
+                  <a:tcPr/>
+                </a:tc>
+                <a:extLst>
+                  <a:ext uri="{0D108BD9-81ED-4DB2-BD59-A6C34878D82A}">
+                    <a16:rowId xmlns:a16="http://schemas.microsoft.com/office/drawing/2014/main" val="1753174711"/>
+                  </a:ext>
+                </a:extLst>
+              </a:tr>
+            </a:tbl>
+          </a:graphicData>
+        </a:graphic>
+      </p:graphicFrame>
+    </p:spTree>
+    <p:extLst>
+      <p:ext uri="{BB962C8B-B14F-4D97-AF65-F5344CB8AC3E}">
+        <p14:creationId xmlns:p14="http://schemas.microsoft.com/office/powerpoint/2010/main" val="675648319"/>
+      </p:ext>
+    </p:extLst>
+  </p:cSld>
+  <p:clrMapOvr>
+    <a:masterClrMapping/>
+  </p:clrMapOvr>
+</p:sld>
+</file>
+
 <file path=ppt/theme/theme1.xml><?xml version="1.0" encoding="utf-8"?>
 <a:theme xmlns:a="http://schemas.openxmlformats.org/drawingml/2006/main" name="Office Theme">
   <a:themeElements>
